--- a/IHearISay/I_HEAR_I_SAY_Intro.pptx
+++ b/IHearISay/I_HEAR_I_SAY_Intro.pptx
@@ -7168,8 +7168,8 @@
     <dgm:cxn modelId="{C3EEEC26-17E3-4BDB-ACA9-9D594C4FAFA8}" type="presOf" srcId="{141F5721-50D1-4463-BE0E-D2740313485D}" destId="{1137F16A-3FBD-40A3-8437-7FEA55E131EF}" srcOrd="0" destOrd="0" presId="urn:microsoft.com/office/officeart/2005/8/layout/chevron1"/>
     <dgm:cxn modelId="{9D4CA5C7-710E-43B8-BB34-B0CCDDEC9A5C}" type="presOf" srcId="{0259D84A-4796-4366-BA60-D7065EA96C71}" destId="{DF757741-D2C4-47CD-B81F-0494B81FB4EA}" srcOrd="0" destOrd="0" presId="urn:microsoft.com/office/officeart/2005/8/layout/chevron1"/>
     <dgm:cxn modelId="{A61C3F85-C378-488F-98CA-BD12AD0D156C}" type="presOf" srcId="{2A76A016-75FB-4EB8-A025-6ACD7A3F5B7D}" destId="{2DFC64A5-769C-4372-9615-1FA4B1491470}" srcOrd="0" destOrd="0" presId="urn:microsoft.com/office/officeart/2005/8/layout/chevron1"/>
+    <dgm:cxn modelId="{ACC5D66D-A940-4C16-83F0-C87E584FFD2B}" srcId="{2A76A016-75FB-4EB8-A025-6ACD7A3F5B7D}" destId="{141F5721-50D1-4463-BE0E-D2740313485D}" srcOrd="4" destOrd="0" parTransId="{76CAB4C6-3908-47F3-A9B5-64E31B886BE6}" sibTransId="{3A7DF44F-3F8C-406B-AB9C-2F17AC583398}"/>
     <dgm:cxn modelId="{69EE499F-C0D4-419C-84DD-D99FD46CB122}" type="presOf" srcId="{68E789BA-346D-43BD-9465-734B217059F0}" destId="{1AA5F17D-B47A-4297-B5BB-8C6B99E6C5DA}" srcOrd="0" destOrd="0" presId="urn:microsoft.com/office/officeart/2005/8/layout/chevron1"/>
-    <dgm:cxn modelId="{ACC5D66D-A940-4C16-83F0-C87E584FFD2B}" srcId="{2A76A016-75FB-4EB8-A025-6ACD7A3F5B7D}" destId="{141F5721-50D1-4463-BE0E-D2740313485D}" srcOrd="4" destOrd="0" parTransId="{76CAB4C6-3908-47F3-A9B5-64E31B886BE6}" sibTransId="{3A7DF44F-3F8C-406B-AB9C-2F17AC583398}"/>
     <dgm:cxn modelId="{0DED889F-2CB6-4767-915E-62CE13E3D7E3}" type="presParOf" srcId="{2DFC64A5-769C-4372-9615-1FA4B1491470}" destId="{1F6056EB-C534-4970-B58E-AD722CC6900E}" srcOrd="0" destOrd="0" presId="urn:microsoft.com/office/officeart/2005/8/layout/chevron1"/>
     <dgm:cxn modelId="{A53C081E-D0BC-4F80-9AD3-0CF4953D1DFB}" type="presParOf" srcId="{2DFC64A5-769C-4372-9615-1FA4B1491470}" destId="{C077A35C-7EC3-45E8-86F1-4EB37DB15503}" srcOrd="1" destOrd="0" presId="urn:microsoft.com/office/officeart/2005/8/layout/chevron1"/>
     <dgm:cxn modelId="{C70D3058-B3DB-48D6-A648-EA205B32BC17}" type="presParOf" srcId="{2DFC64A5-769C-4372-9615-1FA4B1491470}" destId="{1AA5F17D-B47A-4297-B5BB-8C6B99E6C5DA}" srcOrd="2" destOrd="0" presId="urn:microsoft.com/office/officeart/2005/8/layout/chevron1"/>
@@ -7512,8 +7512,8 @@
   </dgm:ptLst>
   <dgm:cxnLst>
     <dgm:cxn modelId="{469C87CF-F5DF-49FE-99F1-2B80000E8C7F}" srcId="{2A76A016-75FB-4EB8-A025-6ACD7A3F5B7D}" destId="{6C099256-A3F1-42A6-931A-474918379EC3}" srcOrd="0" destOrd="0" parTransId="{7AC3B3FF-A9FA-4238-87B0-F8A658AD7018}" sibTransId="{148C0DA2-0218-4FFE-8809-25F2D2ED809C}"/>
+    <dgm:cxn modelId="{4E41A790-A7BE-424C-9079-ED77AD2CBED1}" type="presOf" srcId="{2A76A016-75FB-4EB8-A025-6ACD7A3F5B7D}" destId="{2DFC64A5-769C-4372-9615-1FA4B1491470}" srcOrd="0" destOrd="0" presId="urn:microsoft.com/office/officeart/2005/8/layout/chevron1"/>
     <dgm:cxn modelId="{6C3F1AC4-298B-4D68-A3B6-46A3E4B5E6DC}" srcId="{2A76A016-75FB-4EB8-A025-6ACD7A3F5B7D}" destId="{0259D84A-4796-4366-BA60-D7065EA96C71}" srcOrd="3" destOrd="0" parTransId="{2844B534-BEBF-43CF-B484-5CFCA8900E85}" sibTransId="{CA49B43B-3BCA-497E-B500-5523E9DB4D6C}"/>
-    <dgm:cxn modelId="{4E41A790-A7BE-424C-9079-ED77AD2CBED1}" type="presOf" srcId="{2A76A016-75FB-4EB8-A025-6ACD7A3F5B7D}" destId="{2DFC64A5-769C-4372-9615-1FA4B1491470}" srcOrd="0" destOrd="0" presId="urn:microsoft.com/office/officeart/2005/8/layout/chevron1"/>
     <dgm:cxn modelId="{EA247043-FB74-48CF-A4E6-BA958D9B6A5D}" type="presOf" srcId="{80E5E9DF-95FB-48E6-BD6C-ADC19D57C0A3}" destId="{624C66D0-AA35-4C2D-8400-996503DFD2AE}" srcOrd="0" destOrd="0" presId="urn:microsoft.com/office/officeart/2005/8/layout/chevron1"/>
     <dgm:cxn modelId="{7072A505-5D65-4DA0-A378-618D5AE6BDB9}" type="presOf" srcId="{141F5721-50D1-4463-BE0E-D2740313485D}" destId="{1137F16A-3FBD-40A3-8437-7FEA55E131EF}" srcOrd="0" destOrd="0" presId="urn:microsoft.com/office/officeart/2005/8/layout/chevron1"/>
     <dgm:cxn modelId="{54CD1257-05B7-4992-90E1-19728B5A48CD}" srcId="{2A76A016-75FB-4EB8-A025-6ACD7A3F5B7D}" destId="{68E789BA-346D-43BD-9465-734B217059F0}" srcOrd="1" destOrd="0" parTransId="{BFCF06E6-B9DC-4E18-9537-7296BC3BCBA2}" sibTransId="{C9B12BE5-522A-43A8-A491-AC2795BA9602}"/>
@@ -9975,9 +9975,9 @@
     </dgm:pt>
   </dgm:ptLst>
   <dgm:cxnLst>
-    <dgm:cxn modelId="{469C87CF-F5DF-49FE-99F1-2B80000E8C7F}" srcId="{2A76A016-75FB-4EB8-A025-6ACD7A3F5B7D}" destId="{6C099256-A3F1-42A6-931A-474918379EC3}" srcOrd="0" destOrd="0" parTransId="{7AC3B3FF-A9FA-4238-87B0-F8A658AD7018}" sibTransId="{148C0DA2-0218-4FFE-8809-25F2D2ED809C}"/>
     <dgm:cxn modelId="{140D7C0D-4BF7-4277-A061-22E60B038A85}" type="presOf" srcId="{2A76A016-75FB-4EB8-A025-6ACD7A3F5B7D}" destId="{2DFC64A5-769C-4372-9615-1FA4B1491470}" srcOrd="0" destOrd="0" presId="urn:microsoft.com/office/officeart/2005/8/layout/chevron1"/>
     <dgm:cxn modelId="{02E01517-B73A-424E-A65B-DA5E9B33FC22}" type="presOf" srcId="{80E5E9DF-95FB-48E6-BD6C-ADC19D57C0A3}" destId="{624C66D0-AA35-4C2D-8400-996503DFD2AE}" srcOrd="0" destOrd="0" presId="urn:microsoft.com/office/officeart/2005/8/layout/chevron1"/>
+    <dgm:cxn modelId="{469C87CF-F5DF-49FE-99F1-2B80000E8C7F}" srcId="{2A76A016-75FB-4EB8-A025-6ACD7A3F5B7D}" destId="{6C099256-A3F1-42A6-931A-474918379EC3}" srcOrd="0" destOrd="0" parTransId="{7AC3B3FF-A9FA-4238-87B0-F8A658AD7018}" sibTransId="{148C0DA2-0218-4FFE-8809-25F2D2ED809C}"/>
     <dgm:cxn modelId="{6C3F1AC4-298B-4D68-A3B6-46A3E4B5E6DC}" srcId="{2A76A016-75FB-4EB8-A025-6ACD7A3F5B7D}" destId="{0259D84A-4796-4366-BA60-D7065EA96C71}" srcOrd="3" destOrd="0" parTransId="{2844B534-BEBF-43CF-B484-5CFCA8900E85}" sibTransId="{CA49B43B-3BCA-497E-B500-5523E9DB4D6C}"/>
     <dgm:cxn modelId="{B944C416-1E22-4D93-9BC8-A426B8E8CD3C}" type="presOf" srcId="{6C099256-A3F1-42A6-931A-474918379EC3}" destId="{1F6056EB-C534-4970-B58E-AD722CC6900E}" srcOrd="0" destOrd="0" presId="urn:microsoft.com/office/officeart/2005/8/layout/chevron1"/>
     <dgm:cxn modelId="{EC31A814-5DEE-4EFA-A6C7-186C3730F0F0}" type="presOf" srcId="{0259D84A-4796-4366-BA60-D7065EA96C71}" destId="{DF757741-D2C4-47CD-B81F-0494B81FB4EA}" srcOrd="0" destOrd="0" presId="urn:microsoft.com/office/officeart/2005/8/layout/chevron1"/>
@@ -10022,386 +10022,6 @@
       <dsp:cNvGrpSpPr/>
     </dsp:nvGrpSpPr>
     <dsp:grpSpPr/>
-    <dsp:sp modelId="{1F6056EB-C534-4970-B58E-AD722CC6900E}">
-      <dsp:nvSpPr>
-        <dsp:cNvPr id="0" name=""/>
-        <dsp:cNvSpPr/>
-      </dsp:nvSpPr>
-      <dsp:spPr>
-        <a:xfrm>
-          <a:off x="2853" y="0"/>
-          <a:ext cx="2539325" cy="290820"/>
-        </a:xfrm>
-        <a:prstGeom prst="chevron">
-          <a:avLst/>
-        </a:prstGeom>
-        <a:solidFill>
-          <a:srgbClr val="FF0000"/>
-        </a:solidFill>
-        <a:ln w="15875" cap="rnd" cmpd="sng" algn="ctr">
-          <a:solidFill>
-            <a:schemeClr val="lt1">
-              <a:hueOff val="0"/>
-              <a:satOff val="0"/>
-              <a:lumOff val="0"/>
-              <a:alphaOff val="0"/>
-            </a:schemeClr>
-          </a:solidFill>
-          <a:prstDash val="solid"/>
-        </a:ln>
-        <a:effectLst/>
-      </dsp:spPr>
-      <dsp:style>
-        <a:lnRef idx="2">
-          <a:scrgbClr r="0" g="0" b="0"/>
-        </a:lnRef>
-        <a:fillRef idx="1">
-          <a:scrgbClr r="0" g="0" b="0"/>
-        </a:fillRef>
-        <a:effectRef idx="0">
-          <a:scrgbClr r="0" g="0" b="0"/>
-        </a:effectRef>
-        <a:fontRef idx="minor">
-          <a:schemeClr val="lt1"/>
-        </a:fontRef>
-      </dsp:style>
-      <dsp:txBody>
-        <a:bodyPr spcFirstLastPara="0" vert="horz" wrap="square" lIns="68009" tIns="22670" rIns="22670" bIns="22670" numCol="1" spcCol="1270" anchor="ctr" anchorCtr="0">
-          <a:noAutofit/>
-        </a:bodyPr>
-        <a:lstStyle/>
-        <a:p>
-          <a:pPr lvl="0" algn="ctr" defTabSz="755650">
-            <a:lnSpc>
-              <a:spcPct val="90000"/>
-            </a:lnSpc>
-            <a:spcBef>
-              <a:spcPct val="0"/>
-            </a:spcBef>
-            <a:spcAft>
-              <a:spcPct val="35000"/>
-            </a:spcAft>
-          </a:pPr>
-          <a:r>
-            <a:rPr lang="fr-FR" sz="1700" kern="1200" dirty="0" smtClean="0"/>
-            <a:t>Introduction</a:t>
-          </a:r>
-          <a:endParaRPr lang="fr-FR" sz="1700" kern="1200" dirty="0"/>
-        </a:p>
-      </dsp:txBody>
-      <dsp:txXfrm>
-        <a:off x="148263" y="0"/>
-        <a:ext cx="2248505" cy="290820"/>
-      </dsp:txXfrm>
-    </dsp:sp>
-    <dsp:sp modelId="{1AA5F17D-B47A-4297-B5BB-8C6B99E6C5DA}">
-      <dsp:nvSpPr>
-        <dsp:cNvPr id="0" name=""/>
-        <dsp:cNvSpPr/>
-      </dsp:nvSpPr>
-      <dsp:spPr>
-        <a:xfrm>
-          <a:off x="2264472" y="0"/>
-          <a:ext cx="2539325" cy="290820"/>
-        </a:xfrm>
-        <a:prstGeom prst="chevron">
-          <a:avLst/>
-        </a:prstGeom>
-        <a:solidFill>
-          <a:schemeClr val="accent1">
-            <a:hueOff val="0"/>
-            <a:satOff val="0"/>
-            <a:lumOff val="0"/>
-            <a:alphaOff val="0"/>
-          </a:schemeClr>
-        </a:solidFill>
-        <a:ln w="15875" cap="rnd" cmpd="sng" algn="ctr">
-          <a:solidFill>
-            <a:schemeClr val="lt1">
-              <a:hueOff val="0"/>
-              <a:satOff val="0"/>
-              <a:lumOff val="0"/>
-              <a:alphaOff val="0"/>
-            </a:schemeClr>
-          </a:solidFill>
-          <a:prstDash val="solid"/>
-        </a:ln>
-        <a:effectLst/>
-      </dsp:spPr>
-      <dsp:style>
-        <a:lnRef idx="2">
-          <a:scrgbClr r="0" g="0" b="0"/>
-        </a:lnRef>
-        <a:fillRef idx="1">
-          <a:scrgbClr r="0" g="0" b="0"/>
-        </a:fillRef>
-        <a:effectRef idx="0">
-          <a:scrgbClr r="0" g="0" b="0"/>
-        </a:effectRef>
-        <a:fontRef idx="minor">
-          <a:schemeClr val="lt1"/>
-        </a:fontRef>
-      </dsp:style>
-      <dsp:txBody>
-        <a:bodyPr spcFirstLastPara="0" vert="horz" wrap="square" lIns="68009" tIns="22670" rIns="22670" bIns="22670" numCol="1" spcCol="1270" anchor="ctr" anchorCtr="0">
-          <a:noAutofit/>
-        </a:bodyPr>
-        <a:lstStyle/>
-        <a:p>
-          <a:pPr lvl="0" algn="ctr" defTabSz="755650">
-            <a:lnSpc>
-              <a:spcPct val="90000"/>
-            </a:lnSpc>
-            <a:spcBef>
-              <a:spcPct val="0"/>
-            </a:spcBef>
-            <a:spcAft>
-              <a:spcPct val="35000"/>
-            </a:spcAft>
-          </a:pPr>
-          <a:r>
-            <a:rPr lang="fr-FR" sz="1700" kern="1200" dirty="0" smtClean="0"/>
-            <a:t>Analyse et prévision</a:t>
-          </a:r>
-          <a:endParaRPr lang="fr-FR" sz="1700" kern="1200" dirty="0"/>
-        </a:p>
-      </dsp:txBody>
-      <dsp:txXfrm>
-        <a:off x="2409882" y="0"/>
-        <a:ext cx="2248505" cy="290820"/>
-      </dsp:txXfrm>
-    </dsp:sp>
-    <dsp:sp modelId="{624C66D0-AA35-4C2D-8400-996503DFD2AE}">
-      <dsp:nvSpPr>
-        <dsp:cNvPr id="0" name=""/>
-        <dsp:cNvSpPr/>
-      </dsp:nvSpPr>
-      <dsp:spPr>
-        <a:xfrm>
-          <a:off x="4573638" y="0"/>
-          <a:ext cx="2539325" cy="290820"/>
-        </a:xfrm>
-        <a:prstGeom prst="chevron">
-          <a:avLst/>
-        </a:prstGeom>
-        <a:solidFill>
-          <a:schemeClr val="accent1">
-            <a:hueOff val="0"/>
-            <a:satOff val="0"/>
-            <a:lumOff val="0"/>
-            <a:alphaOff val="0"/>
-          </a:schemeClr>
-        </a:solidFill>
-        <a:ln w="15875" cap="rnd" cmpd="sng" algn="ctr">
-          <a:solidFill>
-            <a:schemeClr val="lt1">
-              <a:hueOff val="0"/>
-              <a:satOff val="0"/>
-              <a:lumOff val="0"/>
-              <a:alphaOff val="0"/>
-            </a:schemeClr>
-          </a:solidFill>
-          <a:prstDash val="solid"/>
-        </a:ln>
-        <a:effectLst/>
-      </dsp:spPr>
-      <dsp:style>
-        <a:lnRef idx="2">
-          <a:scrgbClr r="0" g="0" b="0"/>
-        </a:lnRef>
-        <a:fillRef idx="1">
-          <a:scrgbClr r="0" g="0" b="0"/>
-        </a:fillRef>
-        <a:effectRef idx="0">
-          <a:scrgbClr r="0" g="0" b="0"/>
-        </a:effectRef>
-        <a:fontRef idx="minor">
-          <a:schemeClr val="lt1"/>
-        </a:fontRef>
-      </dsp:style>
-      <dsp:txBody>
-        <a:bodyPr spcFirstLastPara="0" vert="horz" wrap="square" lIns="68009" tIns="22670" rIns="22670" bIns="22670" numCol="1" spcCol="1270" anchor="ctr" anchorCtr="0">
-          <a:noAutofit/>
-        </a:bodyPr>
-        <a:lstStyle/>
-        <a:p>
-          <a:pPr lvl="0" algn="ctr" defTabSz="755650">
-            <a:lnSpc>
-              <a:spcPct val="90000"/>
-            </a:lnSpc>
-            <a:spcBef>
-              <a:spcPct val="0"/>
-            </a:spcBef>
-            <a:spcAft>
-              <a:spcPct val="35000"/>
-            </a:spcAft>
-          </a:pPr>
-          <a:r>
-            <a:rPr lang="fr-FR" sz="1700" kern="1200" dirty="0" smtClean="0"/>
-            <a:t>Solutions techniques</a:t>
-          </a:r>
-          <a:endParaRPr lang="fr-FR" sz="1700" kern="1200" dirty="0"/>
-        </a:p>
-      </dsp:txBody>
-      <dsp:txXfrm>
-        <a:off x="4719048" y="0"/>
-        <a:ext cx="2248505" cy="290820"/>
-      </dsp:txXfrm>
-    </dsp:sp>
-    <dsp:sp modelId="{DF757741-D2C4-47CD-B81F-0494B81FB4EA}">
-      <dsp:nvSpPr>
-        <dsp:cNvPr id="0" name=""/>
-        <dsp:cNvSpPr/>
-      </dsp:nvSpPr>
-      <dsp:spPr>
-        <a:xfrm>
-          <a:off x="6859031" y="0"/>
-          <a:ext cx="2539325" cy="290820"/>
-        </a:xfrm>
-        <a:prstGeom prst="chevron">
-          <a:avLst/>
-        </a:prstGeom>
-        <a:solidFill>
-          <a:schemeClr val="accent1">
-            <a:hueOff val="0"/>
-            <a:satOff val="0"/>
-            <a:lumOff val="0"/>
-            <a:alphaOff val="0"/>
-          </a:schemeClr>
-        </a:solidFill>
-        <a:ln w="15875" cap="rnd" cmpd="sng" algn="ctr">
-          <a:solidFill>
-            <a:schemeClr val="lt1">
-              <a:hueOff val="0"/>
-              <a:satOff val="0"/>
-              <a:lumOff val="0"/>
-              <a:alphaOff val="0"/>
-            </a:schemeClr>
-          </a:solidFill>
-          <a:prstDash val="solid"/>
-        </a:ln>
-        <a:effectLst/>
-      </dsp:spPr>
-      <dsp:style>
-        <a:lnRef idx="2">
-          <a:scrgbClr r="0" g="0" b="0"/>
-        </a:lnRef>
-        <a:fillRef idx="1">
-          <a:scrgbClr r="0" g="0" b="0"/>
-        </a:fillRef>
-        <a:effectRef idx="0">
-          <a:scrgbClr r="0" g="0" b="0"/>
-        </a:effectRef>
-        <a:fontRef idx="minor">
-          <a:schemeClr val="lt1"/>
-        </a:fontRef>
-      </dsp:style>
-      <dsp:txBody>
-        <a:bodyPr spcFirstLastPara="0" vert="horz" wrap="square" lIns="68009" tIns="22670" rIns="22670" bIns="22670" numCol="1" spcCol="1270" anchor="ctr" anchorCtr="0">
-          <a:noAutofit/>
-        </a:bodyPr>
-        <a:lstStyle/>
-        <a:p>
-          <a:pPr lvl="0" algn="ctr" defTabSz="755650">
-            <a:lnSpc>
-              <a:spcPct val="90000"/>
-            </a:lnSpc>
-            <a:spcBef>
-              <a:spcPct val="0"/>
-            </a:spcBef>
-            <a:spcAft>
-              <a:spcPct val="35000"/>
-            </a:spcAft>
-          </a:pPr>
-          <a:r>
-            <a:rPr lang="fr-FR" sz="1700" kern="1200" dirty="0" smtClean="0"/>
-            <a:t>Bilan</a:t>
-          </a:r>
-          <a:endParaRPr lang="fr-FR" sz="1700" kern="1200" dirty="0"/>
-        </a:p>
-      </dsp:txBody>
-      <dsp:txXfrm>
-        <a:off x="7004441" y="0"/>
-        <a:ext cx="2248505" cy="290820"/>
-      </dsp:txXfrm>
-    </dsp:sp>
-    <dsp:sp modelId="{1137F16A-3FBD-40A3-8437-7FEA55E131EF}">
-      <dsp:nvSpPr>
-        <dsp:cNvPr id="0" name=""/>
-        <dsp:cNvSpPr/>
-      </dsp:nvSpPr>
-      <dsp:spPr>
-        <a:xfrm>
-          <a:off x="9147276" y="0"/>
-          <a:ext cx="2539325" cy="290820"/>
-        </a:xfrm>
-        <a:prstGeom prst="chevron">
-          <a:avLst/>
-        </a:prstGeom>
-        <a:solidFill>
-          <a:schemeClr val="accent1">
-            <a:hueOff val="0"/>
-            <a:satOff val="0"/>
-            <a:lumOff val="0"/>
-            <a:alphaOff val="0"/>
-          </a:schemeClr>
-        </a:solidFill>
-        <a:ln w="15875" cap="rnd" cmpd="sng" algn="ctr">
-          <a:solidFill>
-            <a:schemeClr val="lt1">
-              <a:hueOff val="0"/>
-              <a:satOff val="0"/>
-              <a:lumOff val="0"/>
-              <a:alphaOff val="0"/>
-            </a:schemeClr>
-          </a:solidFill>
-          <a:prstDash val="solid"/>
-        </a:ln>
-        <a:effectLst/>
-      </dsp:spPr>
-      <dsp:style>
-        <a:lnRef idx="2">
-          <a:scrgbClr r="0" g="0" b="0"/>
-        </a:lnRef>
-        <a:fillRef idx="1">
-          <a:scrgbClr r="0" g="0" b="0"/>
-        </a:fillRef>
-        <a:effectRef idx="0">
-          <a:scrgbClr r="0" g="0" b="0"/>
-        </a:effectRef>
-        <a:fontRef idx="minor">
-          <a:schemeClr val="lt1"/>
-        </a:fontRef>
-      </dsp:style>
-      <dsp:txBody>
-        <a:bodyPr spcFirstLastPara="0" vert="horz" wrap="square" lIns="68009" tIns="22670" rIns="22670" bIns="22670" numCol="1" spcCol="1270" anchor="ctr" anchorCtr="0">
-          <a:noAutofit/>
-        </a:bodyPr>
-        <a:lstStyle/>
-        <a:p>
-          <a:pPr lvl="0" algn="ctr" defTabSz="755650">
-            <a:lnSpc>
-              <a:spcPct val="90000"/>
-            </a:lnSpc>
-            <a:spcBef>
-              <a:spcPct val="0"/>
-            </a:spcBef>
-            <a:spcAft>
-              <a:spcPct val="35000"/>
-            </a:spcAft>
-          </a:pPr>
-          <a:r>
-            <a:rPr lang="fr-FR" sz="1700" kern="1200" dirty="0" smtClean="0"/>
-            <a:t>Conclusion</a:t>
-          </a:r>
-          <a:endParaRPr lang="fr-FR" sz="1700" kern="1200" dirty="0"/>
-        </a:p>
-      </dsp:txBody>
-      <dsp:txXfrm>
-        <a:off x="9292686" y="0"/>
-        <a:ext cx="2248505" cy="290820"/>
-      </dsp:txXfrm>
-    </dsp:sp>
   </dsp:spTree>
 </dsp:drawing>
 </file>
@@ -10414,381 +10034,6 @@
       <dsp:cNvGrpSpPr/>
     </dsp:nvGrpSpPr>
     <dsp:grpSpPr/>
-    <dsp:sp modelId="{1F6056EB-C534-4970-B58E-AD722CC6900E}">
-      <dsp:nvSpPr>
-        <dsp:cNvPr id="0" name=""/>
-        <dsp:cNvSpPr/>
-      </dsp:nvSpPr>
-      <dsp:spPr>
-        <a:xfrm>
-          <a:off x="2853" y="0"/>
-          <a:ext cx="2539325" cy="290820"/>
-        </a:xfrm>
-        <a:prstGeom prst="chevron">
-          <a:avLst/>
-        </a:prstGeom>
-        <a:solidFill>
-          <a:schemeClr val="accent1"/>
-        </a:solidFill>
-        <a:ln w="15875" cap="rnd" cmpd="sng" algn="ctr">
-          <a:solidFill>
-            <a:schemeClr val="lt1">
-              <a:hueOff val="0"/>
-              <a:satOff val="0"/>
-              <a:lumOff val="0"/>
-              <a:alphaOff val="0"/>
-            </a:schemeClr>
-          </a:solidFill>
-          <a:prstDash val="solid"/>
-        </a:ln>
-        <a:effectLst/>
-      </dsp:spPr>
-      <dsp:style>
-        <a:lnRef idx="2">
-          <a:scrgbClr r="0" g="0" b="0"/>
-        </a:lnRef>
-        <a:fillRef idx="1">
-          <a:scrgbClr r="0" g="0" b="0"/>
-        </a:fillRef>
-        <a:effectRef idx="0">
-          <a:scrgbClr r="0" g="0" b="0"/>
-        </a:effectRef>
-        <a:fontRef idx="minor">
-          <a:schemeClr val="lt1"/>
-        </a:fontRef>
-      </dsp:style>
-      <dsp:txBody>
-        <a:bodyPr spcFirstLastPara="0" vert="horz" wrap="square" lIns="68009" tIns="22670" rIns="22670" bIns="22670" numCol="1" spcCol="1270" anchor="ctr" anchorCtr="0">
-          <a:noAutofit/>
-        </a:bodyPr>
-        <a:lstStyle/>
-        <a:p>
-          <a:pPr lvl="0" algn="ctr" defTabSz="755650">
-            <a:lnSpc>
-              <a:spcPct val="90000"/>
-            </a:lnSpc>
-            <a:spcBef>
-              <a:spcPct val="0"/>
-            </a:spcBef>
-            <a:spcAft>
-              <a:spcPct val="35000"/>
-            </a:spcAft>
-          </a:pPr>
-          <a:r>
-            <a:rPr lang="fr-FR" sz="1700" kern="1200" dirty="0" smtClean="0"/>
-            <a:t>Introduction</a:t>
-          </a:r>
-          <a:endParaRPr lang="fr-FR" sz="1700" kern="1200" dirty="0"/>
-        </a:p>
-      </dsp:txBody>
-      <dsp:txXfrm>
-        <a:off x="148263" y="0"/>
-        <a:ext cx="2248505" cy="290820"/>
-      </dsp:txXfrm>
-    </dsp:sp>
-    <dsp:sp modelId="{1AA5F17D-B47A-4297-B5BB-8C6B99E6C5DA}">
-      <dsp:nvSpPr>
-        <dsp:cNvPr id="0" name=""/>
-        <dsp:cNvSpPr/>
-      </dsp:nvSpPr>
-      <dsp:spPr>
-        <a:xfrm>
-          <a:off x="2264472" y="0"/>
-          <a:ext cx="2539325" cy="290820"/>
-        </a:xfrm>
-        <a:prstGeom prst="chevron">
-          <a:avLst/>
-        </a:prstGeom>
-        <a:solidFill>
-          <a:srgbClr val="FF0000"/>
-        </a:solidFill>
-        <a:ln w="15875" cap="rnd" cmpd="sng" algn="ctr">
-          <a:solidFill>
-            <a:schemeClr val="lt1">
-              <a:hueOff val="0"/>
-              <a:satOff val="0"/>
-              <a:lumOff val="0"/>
-              <a:alphaOff val="0"/>
-            </a:schemeClr>
-          </a:solidFill>
-          <a:prstDash val="solid"/>
-        </a:ln>
-        <a:effectLst/>
-      </dsp:spPr>
-      <dsp:style>
-        <a:lnRef idx="2">
-          <a:scrgbClr r="0" g="0" b="0"/>
-        </a:lnRef>
-        <a:fillRef idx="1">
-          <a:scrgbClr r="0" g="0" b="0"/>
-        </a:fillRef>
-        <a:effectRef idx="0">
-          <a:scrgbClr r="0" g="0" b="0"/>
-        </a:effectRef>
-        <a:fontRef idx="minor">
-          <a:schemeClr val="lt1"/>
-        </a:fontRef>
-      </dsp:style>
-      <dsp:txBody>
-        <a:bodyPr spcFirstLastPara="0" vert="horz" wrap="square" lIns="68009" tIns="22670" rIns="22670" bIns="22670" numCol="1" spcCol="1270" anchor="ctr" anchorCtr="0">
-          <a:noAutofit/>
-        </a:bodyPr>
-        <a:lstStyle/>
-        <a:p>
-          <a:pPr lvl="0" algn="ctr" defTabSz="755650">
-            <a:lnSpc>
-              <a:spcPct val="90000"/>
-            </a:lnSpc>
-            <a:spcBef>
-              <a:spcPct val="0"/>
-            </a:spcBef>
-            <a:spcAft>
-              <a:spcPct val="35000"/>
-            </a:spcAft>
-          </a:pPr>
-          <a:r>
-            <a:rPr lang="fr-FR" sz="1700" kern="1200" dirty="0" smtClean="0"/>
-            <a:t>Analyse et prévision</a:t>
-          </a:r>
-          <a:endParaRPr lang="fr-FR" sz="1700" kern="1200" dirty="0"/>
-        </a:p>
-      </dsp:txBody>
-      <dsp:txXfrm>
-        <a:off x="2409882" y="0"/>
-        <a:ext cx="2248505" cy="290820"/>
-      </dsp:txXfrm>
-    </dsp:sp>
-    <dsp:sp modelId="{624C66D0-AA35-4C2D-8400-996503DFD2AE}">
-      <dsp:nvSpPr>
-        <dsp:cNvPr id="0" name=""/>
-        <dsp:cNvSpPr/>
-      </dsp:nvSpPr>
-      <dsp:spPr>
-        <a:xfrm>
-          <a:off x="4573638" y="0"/>
-          <a:ext cx="2539325" cy="290820"/>
-        </a:xfrm>
-        <a:prstGeom prst="chevron">
-          <a:avLst/>
-        </a:prstGeom>
-        <a:solidFill>
-          <a:schemeClr val="accent1">
-            <a:hueOff val="0"/>
-            <a:satOff val="0"/>
-            <a:lumOff val="0"/>
-            <a:alphaOff val="0"/>
-          </a:schemeClr>
-        </a:solidFill>
-        <a:ln w="15875" cap="rnd" cmpd="sng" algn="ctr">
-          <a:solidFill>
-            <a:schemeClr val="lt1">
-              <a:hueOff val="0"/>
-              <a:satOff val="0"/>
-              <a:lumOff val="0"/>
-              <a:alphaOff val="0"/>
-            </a:schemeClr>
-          </a:solidFill>
-          <a:prstDash val="solid"/>
-        </a:ln>
-        <a:effectLst/>
-      </dsp:spPr>
-      <dsp:style>
-        <a:lnRef idx="2">
-          <a:scrgbClr r="0" g="0" b="0"/>
-        </a:lnRef>
-        <a:fillRef idx="1">
-          <a:scrgbClr r="0" g="0" b="0"/>
-        </a:fillRef>
-        <a:effectRef idx="0">
-          <a:scrgbClr r="0" g="0" b="0"/>
-        </a:effectRef>
-        <a:fontRef idx="minor">
-          <a:schemeClr val="lt1"/>
-        </a:fontRef>
-      </dsp:style>
-      <dsp:txBody>
-        <a:bodyPr spcFirstLastPara="0" vert="horz" wrap="square" lIns="68009" tIns="22670" rIns="22670" bIns="22670" numCol="1" spcCol="1270" anchor="ctr" anchorCtr="0">
-          <a:noAutofit/>
-        </a:bodyPr>
-        <a:lstStyle/>
-        <a:p>
-          <a:pPr lvl="0" algn="ctr" defTabSz="755650">
-            <a:lnSpc>
-              <a:spcPct val="90000"/>
-            </a:lnSpc>
-            <a:spcBef>
-              <a:spcPct val="0"/>
-            </a:spcBef>
-            <a:spcAft>
-              <a:spcPct val="35000"/>
-            </a:spcAft>
-          </a:pPr>
-          <a:r>
-            <a:rPr lang="fr-FR" sz="1700" kern="1200" dirty="0" smtClean="0"/>
-            <a:t>Solutions techniques</a:t>
-          </a:r>
-          <a:endParaRPr lang="fr-FR" sz="1700" kern="1200" dirty="0"/>
-        </a:p>
-      </dsp:txBody>
-      <dsp:txXfrm>
-        <a:off x="4719048" y="0"/>
-        <a:ext cx="2248505" cy="290820"/>
-      </dsp:txXfrm>
-    </dsp:sp>
-    <dsp:sp modelId="{DF757741-D2C4-47CD-B81F-0494B81FB4EA}">
-      <dsp:nvSpPr>
-        <dsp:cNvPr id="0" name=""/>
-        <dsp:cNvSpPr/>
-      </dsp:nvSpPr>
-      <dsp:spPr>
-        <a:xfrm>
-          <a:off x="6859031" y="0"/>
-          <a:ext cx="2539325" cy="290820"/>
-        </a:xfrm>
-        <a:prstGeom prst="chevron">
-          <a:avLst/>
-        </a:prstGeom>
-        <a:solidFill>
-          <a:schemeClr val="accent1">
-            <a:hueOff val="0"/>
-            <a:satOff val="0"/>
-            <a:lumOff val="0"/>
-            <a:alphaOff val="0"/>
-          </a:schemeClr>
-        </a:solidFill>
-        <a:ln w="15875" cap="rnd" cmpd="sng" algn="ctr">
-          <a:solidFill>
-            <a:schemeClr val="lt1">
-              <a:hueOff val="0"/>
-              <a:satOff val="0"/>
-              <a:lumOff val="0"/>
-              <a:alphaOff val="0"/>
-            </a:schemeClr>
-          </a:solidFill>
-          <a:prstDash val="solid"/>
-        </a:ln>
-        <a:effectLst/>
-      </dsp:spPr>
-      <dsp:style>
-        <a:lnRef idx="2">
-          <a:scrgbClr r="0" g="0" b="0"/>
-        </a:lnRef>
-        <a:fillRef idx="1">
-          <a:scrgbClr r="0" g="0" b="0"/>
-        </a:fillRef>
-        <a:effectRef idx="0">
-          <a:scrgbClr r="0" g="0" b="0"/>
-        </a:effectRef>
-        <a:fontRef idx="minor">
-          <a:schemeClr val="lt1"/>
-        </a:fontRef>
-      </dsp:style>
-      <dsp:txBody>
-        <a:bodyPr spcFirstLastPara="0" vert="horz" wrap="square" lIns="68009" tIns="22670" rIns="22670" bIns="22670" numCol="1" spcCol="1270" anchor="ctr" anchorCtr="0">
-          <a:noAutofit/>
-        </a:bodyPr>
-        <a:lstStyle/>
-        <a:p>
-          <a:pPr lvl="0" algn="ctr" defTabSz="755650">
-            <a:lnSpc>
-              <a:spcPct val="90000"/>
-            </a:lnSpc>
-            <a:spcBef>
-              <a:spcPct val="0"/>
-            </a:spcBef>
-            <a:spcAft>
-              <a:spcPct val="35000"/>
-            </a:spcAft>
-          </a:pPr>
-          <a:r>
-            <a:rPr lang="fr-FR" sz="1700" kern="1200" dirty="0" smtClean="0"/>
-            <a:t>Bilan</a:t>
-          </a:r>
-          <a:endParaRPr lang="fr-FR" sz="1700" kern="1200" dirty="0"/>
-        </a:p>
-      </dsp:txBody>
-      <dsp:txXfrm>
-        <a:off x="7004441" y="0"/>
-        <a:ext cx="2248505" cy="290820"/>
-      </dsp:txXfrm>
-    </dsp:sp>
-    <dsp:sp modelId="{1137F16A-3FBD-40A3-8437-7FEA55E131EF}">
-      <dsp:nvSpPr>
-        <dsp:cNvPr id="0" name=""/>
-        <dsp:cNvSpPr/>
-      </dsp:nvSpPr>
-      <dsp:spPr>
-        <a:xfrm>
-          <a:off x="9147276" y="0"/>
-          <a:ext cx="2539325" cy="290820"/>
-        </a:xfrm>
-        <a:prstGeom prst="chevron">
-          <a:avLst/>
-        </a:prstGeom>
-        <a:solidFill>
-          <a:schemeClr val="accent1">
-            <a:hueOff val="0"/>
-            <a:satOff val="0"/>
-            <a:lumOff val="0"/>
-            <a:alphaOff val="0"/>
-          </a:schemeClr>
-        </a:solidFill>
-        <a:ln w="15875" cap="rnd" cmpd="sng" algn="ctr">
-          <a:solidFill>
-            <a:schemeClr val="lt1">
-              <a:hueOff val="0"/>
-              <a:satOff val="0"/>
-              <a:lumOff val="0"/>
-              <a:alphaOff val="0"/>
-            </a:schemeClr>
-          </a:solidFill>
-          <a:prstDash val="solid"/>
-        </a:ln>
-        <a:effectLst/>
-      </dsp:spPr>
-      <dsp:style>
-        <a:lnRef idx="2">
-          <a:scrgbClr r="0" g="0" b="0"/>
-        </a:lnRef>
-        <a:fillRef idx="1">
-          <a:scrgbClr r="0" g="0" b="0"/>
-        </a:fillRef>
-        <a:effectRef idx="0">
-          <a:scrgbClr r="0" g="0" b="0"/>
-        </a:effectRef>
-        <a:fontRef idx="minor">
-          <a:schemeClr val="lt1"/>
-        </a:fontRef>
-      </dsp:style>
-      <dsp:txBody>
-        <a:bodyPr spcFirstLastPara="0" vert="horz" wrap="square" lIns="68009" tIns="22670" rIns="22670" bIns="22670" numCol="1" spcCol="1270" anchor="ctr" anchorCtr="0">
-          <a:noAutofit/>
-        </a:bodyPr>
-        <a:lstStyle/>
-        <a:p>
-          <a:pPr lvl="0" algn="ctr" defTabSz="755650">
-            <a:lnSpc>
-              <a:spcPct val="90000"/>
-            </a:lnSpc>
-            <a:spcBef>
-              <a:spcPct val="0"/>
-            </a:spcBef>
-            <a:spcAft>
-              <a:spcPct val="35000"/>
-            </a:spcAft>
-          </a:pPr>
-          <a:r>
-            <a:rPr lang="fr-FR" sz="1700" kern="1200" dirty="0" smtClean="0"/>
-            <a:t>Conclusion</a:t>
-          </a:r>
-          <a:endParaRPr lang="fr-FR" sz="1700" kern="1200" dirty="0"/>
-        </a:p>
-      </dsp:txBody>
-      <dsp:txXfrm>
-        <a:off x="9292686" y="0"/>
-        <a:ext cx="2248505" cy="290820"/>
-      </dsp:txXfrm>
-    </dsp:sp>
   </dsp:spTree>
 </dsp:drawing>
 </file>
@@ -11188,381 +10433,6 @@
       <dsp:cNvGrpSpPr/>
     </dsp:nvGrpSpPr>
     <dsp:grpSpPr/>
-    <dsp:sp modelId="{1F6056EB-C534-4970-B58E-AD722CC6900E}">
-      <dsp:nvSpPr>
-        <dsp:cNvPr id="0" name=""/>
-        <dsp:cNvSpPr/>
-      </dsp:nvSpPr>
-      <dsp:spPr>
-        <a:xfrm>
-          <a:off x="2853" y="0"/>
-          <a:ext cx="2539325" cy="290820"/>
-        </a:xfrm>
-        <a:prstGeom prst="chevron">
-          <a:avLst/>
-        </a:prstGeom>
-        <a:solidFill>
-          <a:schemeClr val="accent1"/>
-        </a:solidFill>
-        <a:ln w="15875" cap="rnd" cmpd="sng" algn="ctr">
-          <a:solidFill>
-            <a:schemeClr val="lt1">
-              <a:hueOff val="0"/>
-              <a:satOff val="0"/>
-              <a:lumOff val="0"/>
-              <a:alphaOff val="0"/>
-            </a:schemeClr>
-          </a:solidFill>
-          <a:prstDash val="solid"/>
-        </a:ln>
-        <a:effectLst/>
-      </dsp:spPr>
-      <dsp:style>
-        <a:lnRef idx="2">
-          <a:scrgbClr r="0" g="0" b="0"/>
-        </a:lnRef>
-        <a:fillRef idx="1">
-          <a:scrgbClr r="0" g="0" b="0"/>
-        </a:fillRef>
-        <a:effectRef idx="0">
-          <a:scrgbClr r="0" g="0" b="0"/>
-        </a:effectRef>
-        <a:fontRef idx="minor">
-          <a:schemeClr val="lt1"/>
-        </a:fontRef>
-      </dsp:style>
-      <dsp:txBody>
-        <a:bodyPr spcFirstLastPara="0" vert="horz" wrap="square" lIns="68009" tIns="22670" rIns="22670" bIns="22670" numCol="1" spcCol="1270" anchor="ctr" anchorCtr="0">
-          <a:noAutofit/>
-        </a:bodyPr>
-        <a:lstStyle/>
-        <a:p>
-          <a:pPr lvl="0" algn="ctr" defTabSz="755650">
-            <a:lnSpc>
-              <a:spcPct val="90000"/>
-            </a:lnSpc>
-            <a:spcBef>
-              <a:spcPct val="0"/>
-            </a:spcBef>
-            <a:spcAft>
-              <a:spcPct val="35000"/>
-            </a:spcAft>
-          </a:pPr>
-          <a:r>
-            <a:rPr lang="fr-FR" sz="1700" kern="1200" dirty="0" smtClean="0"/>
-            <a:t>Introduction</a:t>
-          </a:r>
-          <a:endParaRPr lang="fr-FR" sz="1700" kern="1200" dirty="0"/>
-        </a:p>
-      </dsp:txBody>
-      <dsp:txXfrm>
-        <a:off x="148263" y="0"/>
-        <a:ext cx="2248505" cy="290820"/>
-      </dsp:txXfrm>
-    </dsp:sp>
-    <dsp:sp modelId="{1AA5F17D-B47A-4297-B5BB-8C6B99E6C5DA}">
-      <dsp:nvSpPr>
-        <dsp:cNvPr id="0" name=""/>
-        <dsp:cNvSpPr/>
-      </dsp:nvSpPr>
-      <dsp:spPr>
-        <a:xfrm>
-          <a:off x="2264472" y="0"/>
-          <a:ext cx="2539325" cy="290820"/>
-        </a:xfrm>
-        <a:prstGeom prst="chevron">
-          <a:avLst/>
-        </a:prstGeom>
-        <a:solidFill>
-          <a:srgbClr val="FF0000"/>
-        </a:solidFill>
-        <a:ln w="15875" cap="rnd" cmpd="sng" algn="ctr">
-          <a:solidFill>
-            <a:schemeClr val="lt1">
-              <a:hueOff val="0"/>
-              <a:satOff val="0"/>
-              <a:lumOff val="0"/>
-              <a:alphaOff val="0"/>
-            </a:schemeClr>
-          </a:solidFill>
-          <a:prstDash val="solid"/>
-        </a:ln>
-        <a:effectLst/>
-      </dsp:spPr>
-      <dsp:style>
-        <a:lnRef idx="2">
-          <a:scrgbClr r="0" g="0" b="0"/>
-        </a:lnRef>
-        <a:fillRef idx="1">
-          <a:scrgbClr r="0" g="0" b="0"/>
-        </a:fillRef>
-        <a:effectRef idx="0">
-          <a:scrgbClr r="0" g="0" b="0"/>
-        </a:effectRef>
-        <a:fontRef idx="minor">
-          <a:schemeClr val="lt1"/>
-        </a:fontRef>
-      </dsp:style>
-      <dsp:txBody>
-        <a:bodyPr spcFirstLastPara="0" vert="horz" wrap="square" lIns="68009" tIns="22670" rIns="22670" bIns="22670" numCol="1" spcCol="1270" anchor="ctr" anchorCtr="0">
-          <a:noAutofit/>
-        </a:bodyPr>
-        <a:lstStyle/>
-        <a:p>
-          <a:pPr lvl="0" algn="ctr" defTabSz="755650">
-            <a:lnSpc>
-              <a:spcPct val="90000"/>
-            </a:lnSpc>
-            <a:spcBef>
-              <a:spcPct val="0"/>
-            </a:spcBef>
-            <a:spcAft>
-              <a:spcPct val="35000"/>
-            </a:spcAft>
-          </a:pPr>
-          <a:r>
-            <a:rPr lang="fr-FR" sz="1700" kern="1200" dirty="0" smtClean="0"/>
-            <a:t>Analyse et prévision</a:t>
-          </a:r>
-          <a:endParaRPr lang="fr-FR" sz="1700" kern="1200" dirty="0"/>
-        </a:p>
-      </dsp:txBody>
-      <dsp:txXfrm>
-        <a:off x="2409882" y="0"/>
-        <a:ext cx="2248505" cy="290820"/>
-      </dsp:txXfrm>
-    </dsp:sp>
-    <dsp:sp modelId="{624C66D0-AA35-4C2D-8400-996503DFD2AE}">
-      <dsp:nvSpPr>
-        <dsp:cNvPr id="0" name=""/>
-        <dsp:cNvSpPr/>
-      </dsp:nvSpPr>
-      <dsp:spPr>
-        <a:xfrm>
-          <a:off x="4573638" y="0"/>
-          <a:ext cx="2539325" cy="290820"/>
-        </a:xfrm>
-        <a:prstGeom prst="chevron">
-          <a:avLst/>
-        </a:prstGeom>
-        <a:solidFill>
-          <a:schemeClr val="accent1">
-            <a:hueOff val="0"/>
-            <a:satOff val="0"/>
-            <a:lumOff val="0"/>
-            <a:alphaOff val="0"/>
-          </a:schemeClr>
-        </a:solidFill>
-        <a:ln w="15875" cap="rnd" cmpd="sng" algn="ctr">
-          <a:solidFill>
-            <a:schemeClr val="lt1">
-              <a:hueOff val="0"/>
-              <a:satOff val="0"/>
-              <a:lumOff val="0"/>
-              <a:alphaOff val="0"/>
-            </a:schemeClr>
-          </a:solidFill>
-          <a:prstDash val="solid"/>
-        </a:ln>
-        <a:effectLst/>
-      </dsp:spPr>
-      <dsp:style>
-        <a:lnRef idx="2">
-          <a:scrgbClr r="0" g="0" b="0"/>
-        </a:lnRef>
-        <a:fillRef idx="1">
-          <a:scrgbClr r="0" g="0" b="0"/>
-        </a:fillRef>
-        <a:effectRef idx="0">
-          <a:scrgbClr r="0" g="0" b="0"/>
-        </a:effectRef>
-        <a:fontRef idx="minor">
-          <a:schemeClr val="lt1"/>
-        </a:fontRef>
-      </dsp:style>
-      <dsp:txBody>
-        <a:bodyPr spcFirstLastPara="0" vert="horz" wrap="square" lIns="68009" tIns="22670" rIns="22670" bIns="22670" numCol="1" spcCol="1270" anchor="ctr" anchorCtr="0">
-          <a:noAutofit/>
-        </a:bodyPr>
-        <a:lstStyle/>
-        <a:p>
-          <a:pPr lvl="0" algn="ctr" defTabSz="755650">
-            <a:lnSpc>
-              <a:spcPct val="90000"/>
-            </a:lnSpc>
-            <a:spcBef>
-              <a:spcPct val="0"/>
-            </a:spcBef>
-            <a:spcAft>
-              <a:spcPct val="35000"/>
-            </a:spcAft>
-          </a:pPr>
-          <a:r>
-            <a:rPr lang="fr-FR" sz="1700" kern="1200" dirty="0" smtClean="0"/>
-            <a:t>Solutions techniques</a:t>
-          </a:r>
-          <a:endParaRPr lang="fr-FR" sz="1700" kern="1200" dirty="0"/>
-        </a:p>
-      </dsp:txBody>
-      <dsp:txXfrm>
-        <a:off x="4719048" y="0"/>
-        <a:ext cx="2248505" cy="290820"/>
-      </dsp:txXfrm>
-    </dsp:sp>
-    <dsp:sp modelId="{DF757741-D2C4-47CD-B81F-0494B81FB4EA}">
-      <dsp:nvSpPr>
-        <dsp:cNvPr id="0" name=""/>
-        <dsp:cNvSpPr/>
-      </dsp:nvSpPr>
-      <dsp:spPr>
-        <a:xfrm>
-          <a:off x="6859031" y="0"/>
-          <a:ext cx="2539325" cy="290820"/>
-        </a:xfrm>
-        <a:prstGeom prst="chevron">
-          <a:avLst/>
-        </a:prstGeom>
-        <a:solidFill>
-          <a:schemeClr val="accent1">
-            <a:hueOff val="0"/>
-            <a:satOff val="0"/>
-            <a:lumOff val="0"/>
-            <a:alphaOff val="0"/>
-          </a:schemeClr>
-        </a:solidFill>
-        <a:ln w="15875" cap="rnd" cmpd="sng" algn="ctr">
-          <a:solidFill>
-            <a:schemeClr val="lt1">
-              <a:hueOff val="0"/>
-              <a:satOff val="0"/>
-              <a:lumOff val="0"/>
-              <a:alphaOff val="0"/>
-            </a:schemeClr>
-          </a:solidFill>
-          <a:prstDash val="solid"/>
-        </a:ln>
-        <a:effectLst/>
-      </dsp:spPr>
-      <dsp:style>
-        <a:lnRef idx="2">
-          <a:scrgbClr r="0" g="0" b="0"/>
-        </a:lnRef>
-        <a:fillRef idx="1">
-          <a:scrgbClr r="0" g="0" b="0"/>
-        </a:fillRef>
-        <a:effectRef idx="0">
-          <a:scrgbClr r="0" g="0" b="0"/>
-        </a:effectRef>
-        <a:fontRef idx="minor">
-          <a:schemeClr val="lt1"/>
-        </a:fontRef>
-      </dsp:style>
-      <dsp:txBody>
-        <a:bodyPr spcFirstLastPara="0" vert="horz" wrap="square" lIns="68009" tIns="22670" rIns="22670" bIns="22670" numCol="1" spcCol="1270" anchor="ctr" anchorCtr="0">
-          <a:noAutofit/>
-        </a:bodyPr>
-        <a:lstStyle/>
-        <a:p>
-          <a:pPr lvl="0" algn="ctr" defTabSz="755650">
-            <a:lnSpc>
-              <a:spcPct val="90000"/>
-            </a:lnSpc>
-            <a:spcBef>
-              <a:spcPct val="0"/>
-            </a:spcBef>
-            <a:spcAft>
-              <a:spcPct val="35000"/>
-            </a:spcAft>
-          </a:pPr>
-          <a:r>
-            <a:rPr lang="fr-FR" sz="1700" kern="1200" dirty="0" smtClean="0"/>
-            <a:t>Bilan</a:t>
-          </a:r>
-          <a:endParaRPr lang="fr-FR" sz="1700" kern="1200" dirty="0"/>
-        </a:p>
-      </dsp:txBody>
-      <dsp:txXfrm>
-        <a:off x="7004441" y="0"/>
-        <a:ext cx="2248505" cy="290820"/>
-      </dsp:txXfrm>
-    </dsp:sp>
-    <dsp:sp modelId="{1137F16A-3FBD-40A3-8437-7FEA55E131EF}">
-      <dsp:nvSpPr>
-        <dsp:cNvPr id="0" name=""/>
-        <dsp:cNvSpPr/>
-      </dsp:nvSpPr>
-      <dsp:spPr>
-        <a:xfrm>
-          <a:off x="9147276" y="0"/>
-          <a:ext cx="2539325" cy="290820"/>
-        </a:xfrm>
-        <a:prstGeom prst="chevron">
-          <a:avLst/>
-        </a:prstGeom>
-        <a:solidFill>
-          <a:schemeClr val="accent1">
-            <a:hueOff val="0"/>
-            <a:satOff val="0"/>
-            <a:lumOff val="0"/>
-            <a:alphaOff val="0"/>
-          </a:schemeClr>
-        </a:solidFill>
-        <a:ln w="15875" cap="rnd" cmpd="sng" algn="ctr">
-          <a:solidFill>
-            <a:schemeClr val="lt1">
-              <a:hueOff val="0"/>
-              <a:satOff val="0"/>
-              <a:lumOff val="0"/>
-              <a:alphaOff val="0"/>
-            </a:schemeClr>
-          </a:solidFill>
-          <a:prstDash val="solid"/>
-        </a:ln>
-        <a:effectLst/>
-      </dsp:spPr>
-      <dsp:style>
-        <a:lnRef idx="2">
-          <a:scrgbClr r="0" g="0" b="0"/>
-        </a:lnRef>
-        <a:fillRef idx="1">
-          <a:scrgbClr r="0" g="0" b="0"/>
-        </a:fillRef>
-        <a:effectRef idx="0">
-          <a:scrgbClr r="0" g="0" b="0"/>
-        </a:effectRef>
-        <a:fontRef idx="minor">
-          <a:schemeClr val="lt1"/>
-        </a:fontRef>
-      </dsp:style>
-      <dsp:txBody>
-        <a:bodyPr spcFirstLastPara="0" vert="horz" wrap="square" lIns="68009" tIns="22670" rIns="22670" bIns="22670" numCol="1" spcCol="1270" anchor="ctr" anchorCtr="0">
-          <a:noAutofit/>
-        </a:bodyPr>
-        <a:lstStyle/>
-        <a:p>
-          <a:pPr lvl="0" algn="ctr" defTabSz="755650">
-            <a:lnSpc>
-              <a:spcPct val="90000"/>
-            </a:lnSpc>
-            <a:spcBef>
-              <a:spcPct val="0"/>
-            </a:spcBef>
-            <a:spcAft>
-              <a:spcPct val="35000"/>
-            </a:spcAft>
-          </a:pPr>
-          <a:r>
-            <a:rPr lang="fr-FR" sz="1700" kern="1200" dirty="0" smtClean="0"/>
-            <a:t>Conclusion</a:t>
-          </a:r>
-          <a:endParaRPr lang="fr-FR" sz="1700" kern="1200" dirty="0"/>
-        </a:p>
-      </dsp:txBody>
-      <dsp:txXfrm>
-        <a:off x="9292686" y="0"/>
-        <a:ext cx="2248505" cy="290820"/>
-      </dsp:txXfrm>
-    </dsp:sp>
   </dsp:spTree>
 </dsp:drawing>
 </file>
@@ -25437,7 +24307,7 @@
           <a:p>
             <a:fld id="{E0D73947-CED3-4729-B2B6-FDB8EDD0C21A}" type="datetimeFigureOut">
               <a:rPr lang="fr-FR" smtClean="0"/>
-              <a:t>08/12/2016</a:t>
+              <a:t>13/12/2016</a:t>
             </a:fld>
             <a:endParaRPr lang="fr-FR"/>
           </a:p>
@@ -26145,7 +25015,7 @@
           <a:p>
             <a:fld id="{CF70076B-3AEE-4CCF-8309-4A51262BD39B}" type="datetime1">
               <a:rPr lang="en-US" smtClean="0"/>
-              <a:t>12/8/2016</a:t>
+              <a:t>12/13/2016</a:t>
             </a:fld>
             <a:endParaRPr lang="en-US" dirty="0"/>
           </a:p>
@@ -26495,7 +25365,7 @@
           <a:p>
             <a:fld id="{965EF287-9D13-4BBB-AD64-90A6F68DC437}" type="datetime1">
               <a:rPr lang="en-US" smtClean="0"/>
-              <a:t>12/8/2016</a:t>
+              <a:t>12/13/2016</a:t>
             </a:fld>
             <a:endParaRPr lang="en-US" dirty="0"/>
           </a:p>
@@ -26908,7 +25778,7 @@
           <a:p>
             <a:fld id="{4E02ACAF-6E0A-4BFA-A998-C23501319CEB}" type="datetime1">
               <a:rPr lang="en-US" smtClean="0"/>
-              <a:t>12/8/2016</a:t>
+              <a:t>12/13/2016</a:t>
             </a:fld>
             <a:endParaRPr lang="en-US" dirty="0"/>
           </a:p>
@@ -27256,7 +26126,7 @@
           <a:p>
             <a:fld id="{1BB394E6-5E1F-487A-884E-33CB76F0F981}" type="datetime1">
               <a:rPr lang="en-US" smtClean="0"/>
-              <a:t>12/8/2016</a:t>
+              <a:t>12/13/2016</a:t>
             </a:fld>
             <a:endParaRPr lang="en-US" dirty="0"/>
           </a:p>
@@ -27588,7 +26458,7 @@
           <a:p>
             <a:fld id="{9982F500-98E8-4354-BA0E-9DEB265BABD5}" type="datetime1">
               <a:rPr lang="en-US" smtClean="0"/>
-              <a:t>12/8/2016</a:t>
+              <a:t>12/13/2016</a:t>
             </a:fld>
             <a:endParaRPr lang="en-US" dirty="0"/>
           </a:p>
@@ -27996,7 +26866,7 @@
           <a:p>
             <a:fld id="{03D9F833-05BD-4816-A1C4-77294EF43A85}" type="datetime1">
               <a:rPr lang="en-US" smtClean="0"/>
-              <a:t>12/8/2016</a:t>
+              <a:t>12/13/2016</a:t>
             </a:fld>
             <a:endParaRPr lang="en-US" dirty="0"/>
           </a:p>
@@ -28265,7 +27135,7 @@
           <a:p>
             <a:fld id="{03691DF6-0A71-40E1-83D6-78326EF392E3}" type="datetime1">
               <a:rPr lang="en-US" smtClean="0"/>
-              <a:t>12/8/2016</a:t>
+              <a:t>12/13/2016</a:t>
             </a:fld>
             <a:endParaRPr lang="en-US" dirty="0"/>
           </a:p>
@@ -28539,7 +27409,7 @@
           <a:p>
             <a:fld id="{3A680F56-72C5-4249-9DC2-97F4382C2589}" type="datetime1">
               <a:rPr lang="en-US" smtClean="0"/>
-              <a:t>12/8/2016</a:t>
+              <a:t>12/13/2016</a:t>
             </a:fld>
             <a:endParaRPr lang="en-US" dirty="0"/>
           </a:p>
@@ -28813,7 +27683,7 @@
           <a:p>
             <a:fld id="{C28576F9-E6CB-4647-93A7-39EC966FD12A}" type="datetime1">
               <a:rPr lang="en-US" smtClean="0"/>
-              <a:t>12/8/2016</a:t>
+              <a:t>12/13/2016</a:t>
             </a:fld>
             <a:endParaRPr lang="en-US" dirty="0"/>
           </a:p>
@@ -29154,7 +28024,7 @@
           <a:p>
             <a:fld id="{5BD41F3B-EDCE-432C-AB15-05A686C5B86E}" type="datetime1">
               <a:rPr lang="en-US" smtClean="0"/>
-              <a:t>12/8/2016</a:t>
+              <a:t>12/13/2016</a:t>
             </a:fld>
             <a:endParaRPr lang="en-US" dirty="0"/>
           </a:p>
@@ -29489,7 +28359,7 @@
           <a:p>
             <a:fld id="{E8C3DD7C-FC13-4A46-B8AE-589AA1023A5C}" type="datetime1">
               <a:rPr lang="en-US" smtClean="0"/>
-              <a:t>12/8/2016</a:t>
+              <a:t>12/13/2016</a:t>
             </a:fld>
             <a:endParaRPr lang="en-US" dirty="0"/>
           </a:p>
@@ -29958,7 +28828,7 @@
           <a:p>
             <a:fld id="{2A9BAFA9-9F65-4436-A9B2-8AB4BA37DFB1}" type="datetime1">
               <a:rPr lang="en-US" smtClean="0"/>
-              <a:t>12/8/2016</a:t>
+              <a:t>12/13/2016</a:t>
             </a:fld>
             <a:endParaRPr lang="en-US" dirty="0"/>
           </a:p>
@@ -30175,7 +29045,7 @@
           <a:p>
             <a:fld id="{75C8F39A-F13F-4478-875E-76CEDB19EC82}" type="datetime1">
               <a:rPr lang="en-US" smtClean="0"/>
-              <a:t>12/8/2016</a:t>
+              <a:t>12/13/2016</a:t>
             </a:fld>
             <a:endParaRPr lang="en-US" dirty="0"/>
           </a:p>
@@ -30364,7 +29234,7 @@
           <a:p>
             <a:fld id="{A656D7ED-CCB1-4ADF-9D3E-AE98B8393664}" type="datetime1">
               <a:rPr lang="en-US" smtClean="0"/>
-              <a:t>12/8/2016</a:t>
+              <a:t>12/13/2016</a:t>
             </a:fld>
             <a:endParaRPr lang="en-US" dirty="0"/>
           </a:p>
@@ -30709,7 +29579,7 @@
           <a:p>
             <a:fld id="{52AC97BE-D090-4A56-ACCF-525ADF60220C}" type="datetime1">
               <a:rPr lang="en-US" smtClean="0"/>
-              <a:t>12/8/2016</a:t>
+              <a:t>12/13/2016</a:t>
             </a:fld>
             <a:endParaRPr lang="en-US" dirty="0"/>
           </a:p>
@@ -31066,7 +29936,7 @@
           <a:p>
             <a:fld id="{077D7DE3-277E-469C-968A-E5587F8A2085}" type="datetime1">
               <a:rPr lang="en-US" smtClean="0"/>
-              <a:t>12/8/2016</a:t>
+              <a:t>12/13/2016</a:t>
             </a:fld>
             <a:endParaRPr lang="en-US" dirty="0"/>
           </a:p>
@@ -33195,7 +32065,7 @@
           <a:p>
             <a:fld id="{4D778CF9-6505-4D68-8ADE-34012231EA87}" type="datetime1">
               <a:rPr lang="en-US" smtClean="0"/>
-              <a:t>12/8/2016</a:t>
+              <a:t>12/13/2016</a:t>
             </a:fld>
             <a:endParaRPr lang="en-US" dirty="0"/>
           </a:p>
@@ -33827,13 +32697,13 @@
   <p:clrMapOvr>
     <a:masterClrMapping/>
   </p:clrMapOvr>
-  <mc:AlternateContent xmlns:mc="http://schemas.openxmlformats.org/markup-compatibility/2006">
-    <mc:Choice xmlns:p14="http://schemas.microsoft.com/office/powerpoint/2010/main" Requires="p14">
+  <mc:AlternateContent xmlns:mc="http://schemas.openxmlformats.org/markup-compatibility/2006" xmlns:p14="http://schemas.microsoft.com/office/powerpoint/2010/main">
+    <mc:Choice Requires="p14">
       <p:transition spd="slow" p14:dur="1250">
         <p14:switch dir="r"/>
       </p:transition>
     </mc:Choice>
-    <mc:Fallback>
+    <mc:Fallback xmlns="">
       <p:transition spd="slow">
         <p:fade/>
       </p:transition>
@@ -33942,8 +32812,13 @@
             </a:pPr>
             <a:r>
               <a:rPr lang="fr-FR" dirty="0" smtClean="0"/>
-              <a:t>Semaine 49</a:t>
+              <a:t>Semaine </a:t>
             </a:r>
+            <a:r>
+              <a:rPr lang="fr-FR" dirty="0" smtClean="0"/>
+              <a:t>50</a:t>
+            </a:r>
+            <a:endParaRPr lang="fr-FR" dirty="0" smtClean="0"/>
           </a:p>
           <a:p>
             <a:pPr marL="285750" indent="-285750">
@@ -33985,8 +32860,13 @@
             </a:pPr>
             <a:r>
               <a:rPr lang="fr-FR" dirty="0" smtClean="0"/>
-              <a:t>Semaine 49</a:t>
+              <a:t>Semaine </a:t>
             </a:r>
+            <a:r>
+              <a:rPr lang="fr-FR" dirty="0" smtClean="0"/>
+              <a:t>50</a:t>
+            </a:r>
+            <a:endParaRPr lang="fr-FR" dirty="0" smtClean="0"/>
           </a:p>
           <a:p>
             <a:pPr marL="285750" indent="-285750">
@@ -34847,11 +33727,7 @@
             <a:pPr lvl="1"/>
             <a:r>
               <a:rPr lang="fr-FR" dirty="0" smtClean="0"/>
-              <a:t>Réunion </a:t>
-            </a:r>
-            <a:r>
-              <a:rPr lang="fr-FR" dirty="0" smtClean="0"/>
-              <a:t>client/superviseur</a:t>
+              <a:t>Réunion client/superviseur</a:t>
             </a:r>
           </a:p>
           <a:p>
@@ -34866,7 +33742,6 @@
               <a:rPr lang="fr-FR" dirty="0" smtClean="0"/>
               <a:t>//Avantages / Inconvénient </a:t>
             </a:r>
-            <a:endParaRPr lang="fr-FR" dirty="0" smtClean="0"/>
           </a:p>
         </p:txBody>
       </p:sp>
@@ -35221,13 +34096,7 @@
               <a:rPr lang="fr-FR" sz="2000" dirty="0" smtClean="0">
                 <a:latin typeface="+mn-lt"/>
               </a:rPr>
-              <a:t>Accroche</a:t>
-            </a:r>
-            <a:r>
-              <a:rPr lang="fr-FR" sz="2000" dirty="0" smtClean="0">
-                <a:latin typeface="+mn-lt"/>
-              </a:rPr>
-              <a:t>?????</a:t>
+              <a:t>Accroche?????</a:t>
             </a:r>
             <a:br>
               <a:rPr lang="fr-FR" sz="2000" dirty="0" smtClean="0">
@@ -35580,7 +34449,6 @@
               <a:rPr lang="fr-FR" dirty="0" smtClean="0"/>
               <a:t>IV. Conclusion</a:t>
             </a:r>
-            <a:endParaRPr lang="fr-FR" dirty="0" smtClean="0"/>
           </a:p>
           <a:p>
             <a:pPr marL="457200" lvl="1" indent="0">
@@ -36041,11 +34909,7 @@
           <a:p>
             <a:r>
               <a:rPr lang="fr-FR" dirty="0" smtClean="0"/>
-              <a:t>Génération d’</a:t>
-            </a:r>
-            <a:r>
-              <a:rPr lang="fr-FR" dirty="0" smtClean="0"/>
-              <a:t>une </a:t>
+              <a:t>Génération d’une </a:t>
             </a:r>
             <a:r>
               <a:rPr lang="fr-FR" dirty="0"/>
@@ -36533,11 +35397,7 @@
             </a:r>
             <a:r>
               <a:rPr lang="fr-FR" dirty="0" smtClean="0"/>
-              <a:t>t Exporter une grille de ce type </a:t>
-            </a:r>
-            <a:r>
-              <a:rPr lang="fr-FR" dirty="0" smtClean="0"/>
-              <a:t>:</a:t>
+              <a:t>t Exporter une grille de ce type :</a:t>
             </a:r>
           </a:p>
           <a:p>
@@ -36584,7 +35444,6 @@
               <a:rPr lang="fr-FR" dirty="0" smtClean="0"/>
               <a:t>// quelqu’un entend et dit un autre mot</a:t>
             </a:r>
-            <a:endParaRPr lang="fr-FR" dirty="0" smtClean="0"/>
           </a:p>
         </p:txBody>
       </p:sp>
